--- a/Dokumentation/EndPräsentation.pptx
+++ b/Dokumentation/EndPräsentation.pptx
@@ -312,7 +312,7 @@
           <a:p>
             <a:fld id="{A7313D66-D491-4747-B440-9EEDBBC9555F}" type="datetimeFigureOut">
               <a:rPr lang="de-AT" smtClean="0"/>
-              <a:t>13.10.2016</a:t>
+              <a:t>14.10.2016</a:t>
             </a:fld>
             <a:endParaRPr lang="de-AT"/>
           </a:p>
@@ -482,7 +482,7 @@
           <a:p>
             <a:fld id="{A7313D66-D491-4747-B440-9EEDBBC9555F}" type="datetimeFigureOut">
               <a:rPr lang="de-AT" smtClean="0"/>
-              <a:t>13.10.2016</a:t>
+              <a:t>14.10.2016</a:t>
             </a:fld>
             <a:endParaRPr lang="de-AT"/>
           </a:p>
@@ -662,7 +662,7 @@
           <a:p>
             <a:fld id="{A7313D66-D491-4747-B440-9EEDBBC9555F}" type="datetimeFigureOut">
               <a:rPr lang="de-AT" smtClean="0"/>
-              <a:t>13.10.2016</a:t>
+              <a:t>14.10.2016</a:t>
             </a:fld>
             <a:endParaRPr lang="de-AT"/>
           </a:p>
@@ -776,42 +776,59 @@
         <p:spPr/>
         <p:txBody>
           <a:bodyPr/>
-          <a:lstStyle/>
+          <a:lstStyle>
+            <a:lvl1pPr marL="342900" indent="-342900">
+              <a:buClr>
+                <a:srgbClr val="E0441E"/>
+              </a:buClr>
+              <a:buFont typeface="Courier New" panose="02070309020205020404" pitchFamily="49" charset="0"/>
+              <a:buChar char="o"/>
+              <a:defRPr/>
+            </a:lvl1pPr>
+            <a:lvl2pPr marL="914400" indent="-457200">
+              <a:buClr>
+                <a:srgbClr val="E0441E"/>
+              </a:buClr>
+              <a:buFont typeface="Arial" panose="020B0604020202020204" pitchFamily="34" charset="0"/>
+              <a:buChar char="•"/>
+              <a:defRPr/>
+            </a:lvl2pPr>
+          </a:lstStyle>
           <a:p>
             <a:pPr lvl="0"/>
             <a:r>
-              <a:rPr lang="de-DE" smtClean="0"/>
+              <a:rPr lang="de-DE" dirty="0" smtClean="0"/>
               <a:t>Textmasterformat bearbeiten</a:t>
             </a:r>
           </a:p>
           <a:p>
             <a:pPr lvl="1"/>
             <a:r>
-              <a:rPr lang="de-DE" smtClean="0"/>
+              <a:rPr lang="de-DE" dirty="0" smtClean="0"/>
               <a:t>Zweite Ebene</a:t>
             </a:r>
           </a:p>
           <a:p>
             <a:pPr lvl="2"/>
             <a:r>
-              <a:rPr lang="de-DE" smtClean="0"/>
+              <a:rPr lang="de-DE" dirty="0" smtClean="0"/>
               <a:t>Dritte Ebene</a:t>
             </a:r>
           </a:p>
           <a:p>
             <a:pPr lvl="3"/>
             <a:r>
-              <a:rPr lang="de-DE" smtClean="0"/>
+              <a:rPr lang="de-DE" dirty="0" smtClean="0"/>
               <a:t>Vierte Ebene</a:t>
             </a:r>
           </a:p>
           <a:p>
             <a:pPr lvl="4"/>
             <a:r>
-              <a:rPr lang="de-DE" smtClean="0"/>
+              <a:rPr lang="de-DE" dirty="0" smtClean="0"/>
               <a:t>Fünfte Ebene</a:t>
             </a:r>
-            <a:endParaRPr lang="de-AT"/>
+            <a:endParaRPr lang="de-AT" dirty="0"/>
           </a:p>
         </p:txBody>
       </p:sp>
@@ -832,7 +849,7 @@
           <a:p>
             <a:fld id="{A7313D66-D491-4747-B440-9EEDBBC9555F}" type="datetimeFigureOut">
               <a:rPr lang="de-AT" smtClean="0"/>
-              <a:t>13.10.2016</a:t>
+              <a:t>14.10.2016</a:t>
             </a:fld>
             <a:endParaRPr lang="de-AT"/>
           </a:p>
@@ -1078,7 +1095,7 @@
           <a:p>
             <a:fld id="{A7313D66-D491-4747-B440-9EEDBBC9555F}" type="datetimeFigureOut">
               <a:rPr lang="de-AT" smtClean="0"/>
-              <a:t>13.10.2016</a:t>
+              <a:t>14.10.2016</a:t>
             </a:fld>
             <a:endParaRPr lang="de-AT"/>
           </a:p>
@@ -1366,7 +1383,7 @@
           <a:p>
             <a:fld id="{A7313D66-D491-4747-B440-9EEDBBC9555F}" type="datetimeFigureOut">
               <a:rPr lang="de-AT" smtClean="0"/>
-              <a:t>13.10.2016</a:t>
+              <a:t>14.10.2016</a:t>
             </a:fld>
             <a:endParaRPr lang="de-AT"/>
           </a:p>
@@ -1788,7 +1805,7 @@
           <a:p>
             <a:fld id="{A7313D66-D491-4747-B440-9EEDBBC9555F}" type="datetimeFigureOut">
               <a:rPr lang="de-AT" smtClean="0"/>
-              <a:t>13.10.2016</a:t>
+              <a:t>14.10.2016</a:t>
             </a:fld>
             <a:endParaRPr lang="de-AT"/>
           </a:p>
@@ -1906,7 +1923,7 @@
           <a:p>
             <a:fld id="{A7313D66-D491-4747-B440-9EEDBBC9555F}" type="datetimeFigureOut">
               <a:rPr lang="de-AT" smtClean="0"/>
-              <a:t>13.10.2016</a:t>
+              <a:t>14.10.2016</a:t>
             </a:fld>
             <a:endParaRPr lang="de-AT"/>
           </a:p>
@@ -2001,7 +2018,7 @@
           <a:p>
             <a:fld id="{A7313D66-D491-4747-B440-9EEDBBC9555F}" type="datetimeFigureOut">
               <a:rPr lang="de-AT" smtClean="0"/>
-              <a:t>13.10.2016</a:t>
+              <a:t>14.10.2016</a:t>
             </a:fld>
             <a:endParaRPr lang="de-AT"/>
           </a:p>
@@ -2278,7 +2295,7 @@
           <a:p>
             <a:fld id="{A7313D66-D491-4747-B440-9EEDBBC9555F}" type="datetimeFigureOut">
               <a:rPr lang="de-AT" smtClean="0"/>
-              <a:t>13.10.2016</a:t>
+              <a:t>14.10.2016</a:t>
             </a:fld>
             <a:endParaRPr lang="de-AT"/>
           </a:p>
@@ -2531,7 +2548,7 @@
           <a:p>
             <a:fld id="{A7313D66-D491-4747-B440-9EEDBBC9555F}" type="datetimeFigureOut">
               <a:rPr lang="de-AT" smtClean="0"/>
-              <a:t>13.10.2016</a:t>
+              <a:t>14.10.2016</a:t>
             </a:fld>
             <a:endParaRPr lang="de-AT"/>
           </a:p>
@@ -2744,7 +2761,7 @@
           <a:p>
             <a:fld id="{A7313D66-D491-4747-B440-9EEDBBC9555F}" type="datetimeFigureOut">
               <a:rPr lang="de-AT" smtClean="0"/>
-              <a:t>13.10.2016</a:t>
+              <a:t>14.10.2016</a:t>
             </a:fld>
             <a:endParaRPr lang="de-AT"/>
           </a:p>
@@ -3394,12 +3411,6 @@
               </a:rPr>
               <a:t>Erfassung von Kundendaten</a:t>
             </a:r>
-            <a:endParaRPr lang="de-AT" sz="2400" dirty="0" smtClean="0">
-              <a:solidFill>
-                <a:srgbClr val="424242"/>
-              </a:solidFill>
-              <a:latin typeface="Century Gothic" panose="020B0502020202020204" pitchFamily="34" charset="0"/>
-            </a:endParaRPr>
           </a:p>
           <a:p>
             <a:pPr lvl="1"/>
@@ -3690,18 +3701,18 @@
       </p:sp>
       <p:sp>
         <p:nvSpPr>
-          <p:cNvPr id="3" name="Inhaltsplatzhalter 2"/>
-          <p:cNvSpPr>
-            <a:spLocks noGrp="1"/>
-          </p:cNvSpPr>
-          <p:nvPr>
-            <p:ph sz="half" idx="1"/>
+          <p:cNvPr id="4" name="Inhaltsplatzhalter 3"/>
+          <p:cNvSpPr>
+            <a:spLocks noGrp="1"/>
+          </p:cNvSpPr>
+          <p:nvPr>
+            <p:ph idx="1"/>
           </p:nvPr>
         </p:nvSpPr>
         <p:spPr>
           <a:xfrm>
-            <a:off x="2339752" y="1196752"/>
-            <a:ext cx="6408712" cy="792088"/>
+            <a:off x="2411760" y="1196753"/>
+            <a:ext cx="5976664" cy="720080"/>
           </a:xfrm>
         </p:spPr>
         <p:txBody>
@@ -3711,13 +3722,22 @@
           <a:lstStyle/>
           <a:p>
             <a:r>
-              <a:rPr lang="de-AT" sz="1600" dirty="0" smtClean="0">
+              <a:rPr lang="de-AT" sz="1600" dirty="0">
                 <a:solidFill>
                   <a:srgbClr val="424242"/>
                 </a:solidFill>
                 <a:latin typeface="Century Gothic" panose="020B0502020202020204" pitchFamily="34" charset="0"/>
               </a:rPr>
-              <a:t>Filtern nach festgelegte Kriterien</a:t>
+              <a:t>Filtern nach festgelegte </a:t>
+            </a:r>
+            <a:r>
+              <a:rPr lang="de-AT" sz="1600" dirty="0" smtClean="0">
+                <a:solidFill>
+                  <a:srgbClr val="424242"/>
+                </a:solidFill>
+                <a:latin typeface="Century Gothic" panose="020B0502020202020204" pitchFamily="34" charset="0"/>
+              </a:rPr>
+              <a:t>Kriterien</a:t>
             </a:r>
           </a:p>
           <a:p>
@@ -3734,7 +3754,11 @@
               <a:solidFill>
                 <a:srgbClr val="424242"/>
               </a:solidFill>
+              <a:latin typeface="Century Gothic" panose="020B0502020202020204" pitchFamily="34" charset="0"/>
             </a:endParaRPr>
+          </a:p>
+          <a:p>
+            <a:endParaRPr lang="de-DE" dirty="0"/>
           </a:p>
         </p:txBody>
       </p:sp>
@@ -3871,6 +3895,9 @@
           <a:p>
             <a:r>
               <a:rPr lang="de-AT" sz="1600" dirty="0" smtClean="0">
+                <a:solidFill>
+                  <a:srgbClr val="424242"/>
+                </a:solidFill>
                 <a:latin typeface="Century Gothic" panose="020B0502020202020204" pitchFamily="34" charset="0"/>
               </a:rPr>
               <a:t>Erfassung von Kundendaten</a:t>
@@ -3879,11 +3906,17 @@
           <a:p>
             <a:r>
               <a:rPr lang="de-AT" sz="1600" dirty="0" smtClean="0">
+                <a:solidFill>
+                  <a:srgbClr val="424242"/>
+                </a:solidFill>
                 <a:latin typeface="Century Gothic" panose="020B0502020202020204" pitchFamily="34" charset="0"/>
               </a:rPr>
               <a:t>Buchen nur für registrierte Benutzer möglich</a:t>
             </a:r>
             <a:endParaRPr lang="de-AT" sz="1600" dirty="0">
+              <a:solidFill>
+                <a:srgbClr val="424242"/>
+              </a:solidFill>
               <a:latin typeface="Century Gothic" panose="020B0502020202020204" pitchFamily="34" charset="0"/>
             </a:endParaRPr>
           </a:p>
@@ -4088,9 +4121,6 @@
           </a:bodyPr>
           <a:lstStyle/>
           <a:p>
-            <a:pPr marL="0" indent="0">
-              <a:buNone/>
-            </a:pPr>
             <a:r>
               <a:rPr lang="de-AT" sz="1600" dirty="0" smtClean="0">
                 <a:solidFill>
@@ -4145,16 +4175,84 @@
           </a:p>
         </p:txBody>
       </p:sp>
+      <p:grpSp>
+        <p:nvGrpSpPr>
+          <p:cNvPr id="7" name="Gruppieren 6"/>
+          <p:cNvGrpSpPr/>
+          <p:nvPr/>
+        </p:nvGrpSpPr>
+        <p:grpSpPr>
+          <a:xfrm>
+            <a:off x="467544" y="2571885"/>
+            <a:ext cx="4198615" cy="2340260"/>
+            <a:chOff x="611560" y="1880828"/>
+            <a:chExt cx="4198615" cy="2340260"/>
+          </a:xfrm>
+        </p:grpSpPr>
+        <p:pic>
+          <p:nvPicPr>
+            <p:cNvPr id="4" name="Grafik 3"/>
+            <p:cNvPicPr>
+              <a:picLocks noChangeAspect="1"/>
+            </p:cNvPicPr>
+            <p:nvPr/>
+          </p:nvPicPr>
+          <p:blipFill rotWithShape="1">
+            <a:blip r:embed="rId2">
+              <a:extLst>
+                <a:ext uri="{28A0092B-C50C-407E-A947-70E740481C1C}">
+                  <a14:useLocalDpi xmlns:a14="http://schemas.microsoft.com/office/drawing/2010/main" val="0"/>
+                </a:ext>
+              </a:extLst>
+            </a:blip>
+            <a:srcRect t="3338" r="50000" b="18067"/>
+            <a:stretch/>
+          </p:blipFill>
+          <p:spPr>
+            <a:xfrm>
+              <a:off x="611560" y="1880828"/>
+              <a:ext cx="3816424" cy="1800200"/>
+            </a:xfrm>
+            <a:prstGeom prst="rect">
+              <a:avLst/>
+            </a:prstGeom>
+          </p:spPr>
+        </p:pic>
+        <p:pic>
+          <p:nvPicPr>
+            <p:cNvPr id="6" name="Grafik 5"/>
+            <p:cNvPicPr>
+              <a:picLocks noChangeAspect="1"/>
+            </p:cNvPicPr>
+            <p:nvPr/>
+          </p:nvPicPr>
+          <p:blipFill>
+            <a:blip r:embed="rId3"/>
+            <a:stretch>
+              <a:fillRect/>
+            </a:stretch>
+          </p:blipFill>
+          <p:spPr>
+            <a:xfrm>
+              <a:off x="971600" y="2411338"/>
+              <a:ext cx="3838575" cy="1809750"/>
+            </a:xfrm>
+            <a:prstGeom prst="rect">
+              <a:avLst/>
+            </a:prstGeom>
+          </p:spPr>
+        </p:pic>
+      </p:grpSp>
       <p:pic>
         <p:nvPicPr>
-          <p:cNvPr id="4" name="Grafik 3"/>
+          <p:cNvPr id="5" name="Grafik 4"/>
           <p:cNvPicPr>
             <a:picLocks noChangeAspect="1"/>
           </p:cNvPicPr>
           <p:nvPr/>
         </p:nvPicPr>
         <p:blipFill>
-          <a:blip r:embed="rId2">
+          <a:blip r:embed="rId4">
             <a:extLst>
               <a:ext uri="{28A0092B-C50C-407E-A947-70E740481C1C}">
                 <a14:useLocalDpi xmlns:a14="http://schemas.microsoft.com/office/drawing/2010/main" val="0"/>
@@ -4167,37 +4265,7 @@
         </p:blipFill>
         <p:spPr>
           <a:xfrm>
-            <a:off x="323528" y="2492896"/>
-            <a:ext cx="7632848" cy="2290489"/>
-          </a:xfrm>
-          <a:prstGeom prst="rect">
-            <a:avLst/>
-          </a:prstGeom>
-        </p:spPr>
-      </p:pic>
-      <p:pic>
-        <p:nvPicPr>
-          <p:cNvPr id="5" name="Grafik 4"/>
-          <p:cNvPicPr>
-            <a:picLocks noChangeAspect="1"/>
-          </p:cNvPicPr>
-          <p:nvPr/>
-        </p:nvPicPr>
-        <p:blipFill>
-          <a:blip r:embed="rId3">
-            <a:extLst>
-              <a:ext uri="{28A0092B-C50C-407E-A947-70E740481C1C}">
-                <a14:useLocalDpi xmlns:a14="http://schemas.microsoft.com/office/drawing/2010/main" val="0"/>
-              </a:ext>
-            </a:extLst>
-          </a:blip>
-          <a:stretch>
-            <a:fillRect/>
-          </a:stretch>
-        </p:blipFill>
-        <p:spPr>
-          <a:xfrm>
-            <a:off x="2349971" y="4221088"/>
+            <a:off x="2190916" y="4182515"/>
             <a:ext cx="6572712" cy="2520280"/>
           </a:xfrm>
           <a:prstGeom prst="rect">
@@ -4328,28 +4396,22 @@
       </p:sp>
       <p:pic>
         <p:nvPicPr>
-          <p:cNvPr id="4" name="Grafik 3"/>
+          <p:cNvPr id="6" name="Grafik 5"/>
           <p:cNvPicPr>
             <a:picLocks noChangeAspect="1"/>
           </p:cNvPicPr>
           <p:nvPr/>
         </p:nvPicPr>
         <p:blipFill>
-          <a:blip r:embed="rId2">
-            <a:extLst>
-              <a:ext uri="{28A0092B-C50C-407E-A947-70E740481C1C}">
-                <a14:useLocalDpi xmlns:a14="http://schemas.microsoft.com/office/drawing/2010/main" val="0"/>
-              </a:ext>
-            </a:extLst>
-          </a:blip>
+          <a:blip r:embed="rId2"/>
           <a:stretch>
             <a:fillRect/>
           </a:stretch>
         </p:blipFill>
         <p:spPr>
           <a:xfrm>
-            <a:off x="611560" y="2132856"/>
-            <a:ext cx="7696063" cy="2232248"/>
+            <a:off x="755576" y="2420888"/>
+            <a:ext cx="3581400" cy="1762125"/>
           </a:xfrm>
           <a:prstGeom prst="rect">
             <a:avLst/>
@@ -4379,8 +4441,8 @@
         </p:blipFill>
         <p:spPr bwMode="auto">
           <a:xfrm>
-            <a:off x="3995936" y="2924943"/>
-            <a:ext cx="4824536" cy="3318383"/>
+            <a:off x="4067944" y="3068960"/>
+            <a:ext cx="3600400" cy="2476405"/>
           </a:xfrm>
           <a:prstGeom prst="rect">
             <a:avLst/>
@@ -4627,7 +4689,7 @@
         </p:blipFill>
         <p:spPr bwMode="auto">
           <a:xfrm>
-            <a:off x="5339533" y="3284984"/>
+            <a:off x="5613648" y="3356992"/>
             <a:ext cx="2819400" cy="1666875"/>
           </a:xfrm>
           <a:prstGeom prst="rect">
@@ -4711,17 +4773,34 @@
           </a:xfrm>
         </p:spPr>
         <p:txBody>
-          <a:bodyPr/>
-          <a:lstStyle/>
-          <a:p>
-            <a:r>
-              <a:rPr lang="de-AT" dirty="0" smtClean="0">
+          <a:bodyPr>
+            <a:normAutofit/>
+          </a:bodyPr>
+          <a:lstStyle/>
+          <a:p>
+            <a:pPr>
+              <a:spcBef>
+                <a:spcPct val="0"/>
+              </a:spcBef>
+            </a:pPr>
+            <a:r>
+              <a:rPr lang="de-AT" sz="3600" dirty="0">
+                <a:solidFill>
+                  <a:srgbClr val="424242"/>
+                </a:solidFill>
                 <a:latin typeface="Century Gothic" panose="020B0502020202020204" pitchFamily="34" charset="0"/>
+                <a:ea typeface="+mj-ea"/>
+                <a:cs typeface="+mj-cs"/>
               </a:rPr>
               <a:t>Viel Spaß beim Testen der Applikation</a:t>
             </a:r>
-            <a:endParaRPr lang="de-AT" dirty="0">
+            <a:endParaRPr lang="de-AT" sz="3600" dirty="0">
+              <a:solidFill>
+                <a:srgbClr val="424242"/>
+              </a:solidFill>
               <a:latin typeface="Century Gothic" panose="020B0502020202020204" pitchFamily="34" charset="0"/>
+              <a:ea typeface="+mj-ea"/>
+              <a:cs typeface="+mj-cs"/>
             </a:endParaRPr>
           </a:p>
         </p:txBody>

--- a/Dokumentation/EndPräsentation.pptx
+++ b/Dokumentation/EndPräsentation.pptx
@@ -114,7 +114,7 @@
   </p:defaultTextStyle>
   <p:extLst>
     <p:ext uri="{EFAFB233-063F-42B5-8137-9DF3F51BA10A}">
-      <p15:sldGuideLst xmlns:p15="http://schemas.microsoft.com/office/powerpoint/2012/main">
+      <p15:sldGuideLst xmlns:p15="http://schemas.microsoft.com/office/powerpoint/2012/main" xmlns="">
         <p15:guide id="1" orient="horz" pos="2160">
           <p15:clr>
             <a:srgbClr val="A4A3A4"/>
@@ -312,7 +312,7 @@
           <a:p>
             <a:fld id="{A7313D66-D491-4747-B440-9EEDBBC9555F}" type="datetimeFigureOut">
               <a:rPr lang="de-AT" smtClean="0"/>
-              <a:t>14.10.2016</a:t>
+              <a:t>17.10.2016</a:t>
             </a:fld>
             <a:endParaRPr lang="de-AT"/>
           </a:p>
@@ -482,7 +482,7 @@
           <a:p>
             <a:fld id="{A7313D66-D491-4747-B440-9EEDBBC9555F}" type="datetimeFigureOut">
               <a:rPr lang="de-AT" smtClean="0"/>
-              <a:t>14.10.2016</a:t>
+              <a:t>17.10.2016</a:t>
             </a:fld>
             <a:endParaRPr lang="de-AT"/>
           </a:p>
@@ -662,7 +662,7 @@
           <a:p>
             <a:fld id="{A7313D66-D491-4747-B440-9EEDBBC9555F}" type="datetimeFigureOut">
               <a:rPr lang="de-AT" smtClean="0"/>
-              <a:t>14.10.2016</a:t>
+              <a:t>17.10.2016</a:t>
             </a:fld>
             <a:endParaRPr lang="de-AT"/>
           </a:p>
@@ -849,7 +849,7 @@
           <a:p>
             <a:fld id="{A7313D66-D491-4747-B440-9EEDBBC9555F}" type="datetimeFigureOut">
               <a:rPr lang="de-AT" smtClean="0"/>
-              <a:t>14.10.2016</a:t>
+              <a:t>17.10.2016</a:t>
             </a:fld>
             <a:endParaRPr lang="de-AT"/>
           </a:p>
@@ -1095,7 +1095,7 @@
           <a:p>
             <a:fld id="{A7313D66-D491-4747-B440-9EEDBBC9555F}" type="datetimeFigureOut">
               <a:rPr lang="de-AT" smtClean="0"/>
-              <a:t>14.10.2016</a:t>
+              <a:t>17.10.2016</a:t>
             </a:fld>
             <a:endParaRPr lang="de-AT"/>
           </a:p>
@@ -1383,7 +1383,7 @@
           <a:p>
             <a:fld id="{A7313D66-D491-4747-B440-9EEDBBC9555F}" type="datetimeFigureOut">
               <a:rPr lang="de-AT" smtClean="0"/>
-              <a:t>14.10.2016</a:t>
+              <a:t>17.10.2016</a:t>
             </a:fld>
             <a:endParaRPr lang="de-AT"/>
           </a:p>
@@ -1805,7 +1805,7 @@
           <a:p>
             <a:fld id="{A7313D66-D491-4747-B440-9EEDBBC9555F}" type="datetimeFigureOut">
               <a:rPr lang="de-AT" smtClean="0"/>
-              <a:t>14.10.2016</a:t>
+              <a:t>17.10.2016</a:t>
             </a:fld>
             <a:endParaRPr lang="de-AT"/>
           </a:p>
@@ -1923,7 +1923,7 @@
           <a:p>
             <a:fld id="{A7313D66-D491-4747-B440-9EEDBBC9555F}" type="datetimeFigureOut">
               <a:rPr lang="de-AT" smtClean="0"/>
-              <a:t>14.10.2016</a:t>
+              <a:t>17.10.2016</a:t>
             </a:fld>
             <a:endParaRPr lang="de-AT"/>
           </a:p>
@@ -2018,7 +2018,7 @@
           <a:p>
             <a:fld id="{A7313D66-D491-4747-B440-9EEDBBC9555F}" type="datetimeFigureOut">
               <a:rPr lang="de-AT" smtClean="0"/>
-              <a:t>14.10.2016</a:t>
+              <a:t>17.10.2016</a:t>
             </a:fld>
             <a:endParaRPr lang="de-AT"/>
           </a:p>
@@ -2295,7 +2295,7 @@
           <a:p>
             <a:fld id="{A7313D66-D491-4747-B440-9EEDBBC9555F}" type="datetimeFigureOut">
               <a:rPr lang="de-AT" smtClean="0"/>
-              <a:t>14.10.2016</a:t>
+              <a:t>17.10.2016</a:t>
             </a:fld>
             <a:endParaRPr lang="de-AT"/>
           </a:p>
@@ -2548,7 +2548,7 @@
           <a:p>
             <a:fld id="{A7313D66-D491-4747-B440-9EEDBBC9555F}" type="datetimeFigureOut">
               <a:rPr lang="de-AT" smtClean="0"/>
-              <a:t>14.10.2016</a:t>
+              <a:t>17.10.2016</a:t>
             </a:fld>
             <a:endParaRPr lang="de-AT"/>
           </a:p>
@@ -2761,7 +2761,7 @@
           <a:p>
             <a:fld id="{A7313D66-D491-4747-B440-9EEDBBC9555F}" type="datetimeFigureOut">
               <a:rPr lang="de-AT" smtClean="0"/>
-              <a:t>14.10.2016</a:t>
+              <a:t>17.10.2016</a:t>
             </a:fld>
             <a:endParaRPr lang="de-AT"/>
           </a:p>
@@ -4784,7 +4784,7 @@
               </a:spcBef>
             </a:pPr>
             <a:r>
-              <a:rPr lang="de-AT" sz="3600" dirty="0">
+              <a:rPr lang="de-AT" dirty="0">
                 <a:solidFill>
                   <a:srgbClr val="424242"/>
                 </a:solidFill>
@@ -4794,14 +4794,6 @@
               </a:rPr>
               <a:t>Viel Spaß beim Testen der Applikation</a:t>
             </a:r>
-            <a:endParaRPr lang="de-AT" sz="3600" dirty="0">
-              <a:solidFill>
-                <a:srgbClr val="424242"/>
-              </a:solidFill>
-              <a:latin typeface="Century Gothic" panose="020B0502020202020204" pitchFamily="34" charset="0"/>
-              <a:ea typeface="+mj-ea"/>
-              <a:cs typeface="+mj-cs"/>
-            </a:endParaRPr>
           </a:p>
         </p:txBody>
       </p:sp>
